--- a/Лекция 3. SOLID/SOLID.pptx
+++ b/Лекция 3. SOLID/SOLID.pptx
@@ -5,7 +5,7 @@
     <p:sldMasterId id="2147483648" r:id="rId1"/>
   </p:sldMasterIdLst>
   <p:notesMasterIdLst>
-    <p:notesMasterId r:id="rId32"/>
+    <p:notesMasterId r:id="rId35"/>
   </p:notesMasterIdLst>
   <p:sldIdLst>
     <p:sldId id="287" r:id="rId2"/>
@@ -37,7 +37,10 @@
     <p:sldId id="283" r:id="rId28"/>
     <p:sldId id="284" r:id="rId29"/>
     <p:sldId id="285" r:id="rId30"/>
-    <p:sldId id="286" r:id="rId31"/>
+    <p:sldId id="288" r:id="rId31"/>
+    <p:sldId id="289" r:id="rId32"/>
+    <p:sldId id="290" r:id="rId33"/>
+    <p:sldId id="286" r:id="rId34"/>
   </p:sldIdLst>
   <p:sldSz cx="9144000" cy="6858000" type="screen4x3"/>
   <p:notesSz cx="6858000" cy="9144000"/>
@@ -136,6 +139,22 @@
       </a:defRPr>
     </a:lvl9pPr>
   </p:defaultTextStyle>
+  <p:extLst>
+    <p:ext uri="{EFAFB233-063F-42B5-8137-9DF3F51BA10A}">
+      <p15:sldGuideLst xmlns:p15="http://schemas.microsoft.com/office/powerpoint/2012/main">
+        <p15:guide id="1" orient="horz" pos="2160">
+          <p15:clr>
+            <a:srgbClr val="A4A3A4"/>
+          </p15:clr>
+        </p15:guide>
+        <p15:guide id="2" pos="2880">
+          <p15:clr>
+            <a:srgbClr val="A4A3A4"/>
+          </p15:clr>
+        </p15:guide>
+      </p15:sldGuideLst>
+    </p:ext>
+  </p:extLst>
 </p:presentation>
 </file>
 
@@ -222,7 +241,7 @@
             <a:fld id="{22675431-848F-4E1D-AD5B-4D6E3212A2ED}" type="datetimeFigureOut">
               <a:rPr lang="ru-RU" smtClean="0"/>
               <a:pPr/>
-              <a:t>26.08.2016</a:t>
+              <a:t>22.05.2018</a:t>
             </a:fld>
             <a:endParaRPr lang="ru-RU"/>
           </a:p>
@@ -1737,7 +1756,7 @@
             <a:fld id="{5B106E36-FD25-4E2D-B0AA-010F637433A0}" type="datetimeFigureOut">
               <a:rPr lang="ru-RU" smtClean="0"/>
               <a:pPr/>
-              <a:t>26.08.2016</a:t>
+              <a:t>22.05.2018</a:t>
             </a:fld>
             <a:endParaRPr lang="ru-RU"/>
           </a:p>
@@ -1904,7 +1923,7 @@
             <a:fld id="{5B106E36-FD25-4E2D-B0AA-010F637433A0}" type="datetimeFigureOut">
               <a:rPr lang="ru-RU" smtClean="0"/>
               <a:pPr/>
-              <a:t>26.08.2016</a:t>
+              <a:t>22.05.2018</a:t>
             </a:fld>
             <a:endParaRPr lang="ru-RU"/>
           </a:p>
@@ -2081,7 +2100,7 @@
             <a:fld id="{5B106E36-FD25-4E2D-B0AA-010F637433A0}" type="datetimeFigureOut">
               <a:rPr lang="ru-RU" smtClean="0"/>
               <a:pPr/>
-              <a:t>26.08.2016</a:t>
+              <a:t>22.05.2018</a:t>
             </a:fld>
             <a:endParaRPr lang="ru-RU"/>
           </a:p>
@@ -2248,7 +2267,7 @@
             <a:fld id="{5B106E36-FD25-4E2D-B0AA-010F637433A0}" type="datetimeFigureOut">
               <a:rPr lang="ru-RU" smtClean="0"/>
               <a:pPr/>
-              <a:t>26.08.2016</a:t>
+              <a:t>22.05.2018</a:t>
             </a:fld>
             <a:endParaRPr lang="ru-RU"/>
           </a:p>
@@ -2491,7 +2510,7 @@
             <a:fld id="{5B106E36-FD25-4E2D-B0AA-010F637433A0}" type="datetimeFigureOut">
               <a:rPr lang="ru-RU" smtClean="0"/>
               <a:pPr/>
-              <a:t>26.08.2016</a:t>
+              <a:t>22.05.2018</a:t>
             </a:fld>
             <a:endParaRPr lang="ru-RU"/>
           </a:p>
@@ -2776,7 +2795,7 @@
             <a:fld id="{5B106E36-FD25-4E2D-B0AA-010F637433A0}" type="datetimeFigureOut">
               <a:rPr lang="ru-RU" smtClean="0"/>
               <a:pPr/>
-              <a:t>26.08.2016</a:t>
+              <a:t>22.05.2018</a:t>
             </a:fld>
             <a:endParaRPr lang="ru-RU"/>
           </a:p>
@@ -3195,7 +3214,7 @@
             <a:fld id="{5B106E36-FD25-4E2D-B0AA-010F637433A0}" type="datetimeFigureOut">
               <a:rPr lang="ru-RU" smtClean="0"/>
               <a:pPr/>
-              <a:t>26.08.2016</a:t>
+              <a:t>22.05.2018</a:t>
             </a:fld>
             <a:endParaRPr lang="ru-RU"/>
           </a:p>
@@ -3310,7 +3329,7 @@
             <a:fld id="{5B106E36-FD25-4E2D-B0AA-010F637433A0}" type="datetimeFigureOut">
               <a:rPr lang="ru-RU" smtClean="0"/>
               <a:pPr/>
-              <a:t>26.08.2016</a:t>
+              <a:t>22.05.2018</a:t>
             </a:fld>
             <a:endParaRPr lang="ru-RU"/>
           </a:p>
@@ -3402,7 +3421,7 @@
             <a:fld id="{5B106E36-FD25-4E2D-B0AA-010F637433A0}" type="datetimeFigureOut">
               <a:rPr lang="ru-RU" smtClean="0"/>
               <a:pPr/>
-              <a:t>26.08.2016</a:t>
+              <a:t>22.05.2018</a:t>
             </a:fld>
             <a:endParaRPr lang="ru-RU"/>
           </a:p>
@@ -3676,7 +3695,7 @@
             <a:fld id="{5B106E36-FD25-4E2D-B0AA-010F637433A0}" type="datetimeFigureOut">
               <a:rPr lang="ru-RU" smtClean="0"/>
               <a:pPr/>
-              <a:t>26.08.2016</a:t>
+              <a:t>22.05.2018</a:t>
             </a:fld>
             <a:endParaRPr lang="ru-RU"/>
           </a:p>
@@ -3926,7 +3945,7 @@
             <a:fld id="{5B106E36-FD25-4E2D-B0AA-010F637433A0}" type="datetimeFigureOut">
               <a:rPr lang="ru-RU" smtClean="0"/>
               <a:pPr/>
-              <a:t>26.08.2016</a:t>
+              <a:t>22.05.2018</a:t>
             </a:fld>
             <a:endParaRPr lang="ru-RU"/>
           </a:p>
@@ -4136,7 +4155,7 @@
             <a:fld id="{5B106E36-FD25-4E2D-B0AA-010F637433A0}" type="datetimeFigureOut">
               <a:rPr lang="ru-RU" smtClean="0"/>
               <a:pPr/>
-              <a:t>26.08.2016</a:t>
+              <a:t>22.05.2018</a:t>
             </a:fld>
             <a:endParaRPr lang="ru-RU"/>
           </a:p>
@@ -8207,6 +8226,384 @@
       </p:grpSpPr>
       <p:sp>
         <p:nvSpPr>
+          <p:cNvPr id="2" name="Заголовок 1"/>
+          <p:cNvSpPr>
+            <a:spLocks noGrp="1"/>
+          </p:cNvSpPr>
+          <p:nvPr>
+            <p:ph type="title"/>
+          </p:nvPr>
+        </p:nvSpPr>
+        <p:spPr/>
+        <p:txBody>
+          <a:bodyPr/>
+          <a:lstStyle/>
+          <a:p>
+            <a:r>
+              <a:rPr lang="en-US" dirty="0" smtClean="0"/>
+              <a:t>DRY</a:t>
+            </a:r>
+            <a:endParaRPr lang="ru-RU" dirty="0"/>
+          </a:p>
+        </p:txBody>
+      </p:sp>
+      <p:sp>
+        <p:nvSpPr>
+          <p:cNvPr id="3" name="Объект 2"/>
+          <p:cNvSpPr>
+            <a:spLocks noGrp="1"/>
+          </p:cNvSpPr>
+          <p:nvPr>
+            <p:ph idx="1"/>
+          </p:nvPr>
+        </p:nvSpPr>
+        <p:spPr/>
+        <p:txBody>
+          <a:bodyPr>
+            <a:normAutofit/>
+          </a:bodyPr>
+          <a:lstStyle/>
+          <a:p>
+            <a:pPr marL="0" indent="0">
+              <a:buNone/>
+            </a:pPr>
+            <a:r>
+              <a:rPr lang="ru-RU" sz="2400" dirty="0"/>
+              <a:t>Р</a:t>
+            </a:r>
+            <a:r>
+              <a:rPr lang="ru-RU" sz="2400" dirty="0" smtClean="0"/>
+              <a:t>асшифровывается </a:t>
+            </a:r>
+            <a:r>
+              <a:rPr lang="ru-RU" sz="2400" dirty="0"/>
+              <a:t>как </a:t>
+            </a:r>
+            <a:r>
+              <a:rPr lang="ru-RU" sz="2400" dirty="0" err="1"/>
+              <a:t>Don’t</a:t>
+            </a:r>
+            <a:r>
+              <a:rPr lang="ru-RU" sz="2400" dirty="0"/>
+              <a:t> </a:t>
+            </a:r>
+            <a:r>
+              <a:rPr lang="ru-RU" sz="2400" dirty="0" err="1"/>
+              <a:t>Repeat</a:t>
+            </a:r>
+            <a:r>
+              <a:rPr lang="ru-RU" sz="2400" dirty="0"/>
+              <a:t> </a:t>
+            </a:r>
+            <a:r>
+              <a:rPr lang="ru-RU" sz="2400" dirty="0" err="1"/>
+              <a:t>Youself</a:t>
+            </a:r>
+            <a:r>
+              <a:rPr lang="ru-RU" sz="2400" dirty="0"/>
+              <a:t> — не повторяйся, также известен как </a:t>
+            </a:r>
+            <a:r>
+              <a:rPr lang="ru-RU" sz="2400" b="1" dirty="0"/>
+              <a:t>DIE</a:t>
+            </a:r>
+            <a:r>
+              <a:rPr lang="ru-RU" sz="2400" dirty="0"/>
+              <a:t> — </a:t>
+            </a:r>
+            <a:r>
+              <a:rPr lang="ru-RU" sz="2400" dirty="0" err="1"/>
+              <a:t>Duplication</a:t>
+            </a:r>
+            <a:r>
+              <a:rPr lang="ru-RU" sz="2400" dirty="0"/>
+              <a:t> </a:t>
+            </a:r>
+            <a:r>
+              <a:rPr lang="ru-RU" sz="2400" dirty="0" err="1"/>
+              <a:t>Is</a:t>
+            </a:r>
+            <a:r>
+              <a:rPr lang="ru-RU" sz="2400" dirty="0"/>
+              <a:t> </a:t>
+            </a:r>
+            <a:r>
+              <a:rPr lang="ru-RU" sz="2400" dirty="0" err="1"/>
+              <a:t>Evil</a:t>
+            </a:r>
+            <a:r>
+              <a:rPr lang="ru-RU" sz="2400" dirty="0"/>
+              <a:t> — дублирование это зло. Этот принцип заключается в том, что нужно избегать повторений одного и того же кода. Лучше использовать универсальные свойства и функции</a:t>
+            </a:r>
+          </a:p>
+        </p:txBody>
+      </p:sp>
+    </p:spTree>
+    <p:extLst>
+      <p:ext uri="{BB962C8B-B14F-4D97-AF65-F5344CB8AC3E}">
+        <p14:creationId xmlns:p14="http://schemas.microsoft.com/office/powerpoint/2010/main" val="1382320730"/>
+      </p:ext>
+    </p:extLst>
+  </p:cSld>
+  <p:clrMapOvr>
+    <a:masterClrMapping/>
+  </p:clrMapOvr>
+</p:sld>
+</file>
+
+<file path=ppt/slides/slide31.xml><?xml version="1.0" encoding="utf-8"?>
+<p:sld xmlns:a="http://schemas.openxmlformats.org/drawingml/2006/main" xmlns:r="http://schemas.openxmlformats.org/officeDocument/2006/relationships" xmlns:p="http://schemas.openxmlformats.org/presentationml/2006/main">
+  <p:cSld>
+    <p:spTree>
+      <p:nvGrpSpPr>
+        <p:cNvPr id="1" name=""/>
+        <p:cNvGrpSpPr/>
+        <p:nvPr/>
+      </p:nvGrpSpPr>
+      <p:grpSpPr>
+        <a:xfrm>
+          <a:off x="0" y="0"/>
+          <a:ext cx="0" cy="0"/>
+          <a:chOff x="0" y="0"/>
+          <a:chExt cx="0" cy="0"/>
+        </a:xfrm>
+      </p:grpSpPr>
+      <p:sp>
+        <p:nvSpPr>
+          <p:cNvPr id="2" name="Заголовок 1"/>
+          <p:cNvSpPr>
+            <a:spLocks noGrp="1"/>
+          </p:cNvSpPr>
+          <p:nvPr>
+            <p:ph type="title"/>
+          </p:nvPr>
+        </p:nvSpPr>
+        <p:spPr/>
+        <p:txBody>
+          <a:bodyPr/>
+          <a:lstStyle/>
+          <a:p>
+            <a:r>
+              <a:rPr lang="ru-RU" b="1" dirty="0"/>
+              <a:t>KISS</a:t>
+            </a:r>
+            <a:endParaRPr lang="ru-RU" dirty="0"/>
+          </a:p>
+        </p:txBody>
+      </p:sp>
+      <p:sp>
+        <p:nvSpPr>
+          <p:cNvPr id="3" name="Объект 2"/>
+          <p:cNvSpPr>
+            <a:spLocks noGrp="1"/>
+          </p:cNvSpPr>
+          <p:nvPr>
+            <p:ph idx="1"/>
+          </p:nvPr>
+        </p:nvSpPr>
+        <p:spPr/>
+        <p:txBody>
+          <a:bodyPr>
+            <a:normAutofit/>
+          </a:bodyPr>
+          <a:lstStyle/>
+          <a:p>
+            <a:pPr marL="0" indent="0">
+              <a:buNone/>
+            </a:pPr>
+            <a:r>
+              <a:rPr lang="ru-RU" sz="2400" dirty="0" err="1" smtClean="0"/>
+              <a:t>Keep</a:t>
+            </a:r>
+            <a:r>
+              <a:rPr lang="ru-RU" sz="2400" dirty="0" smtClean="0"/>
+              <a:t> </a:t>
+            </a:r>
+            <a:r>
+              <a:rPr lang="ru-RU" sz="2400" dirty="0" err="1"/>
+              <a:t>It</a:t>
+            </a:r>
+            <a:r>
+              <a:rPr lang="ru-RU" sz="2400" dirty="0"/>
+              <a:t> </a:t>
+            </a:r>
+            <a:r>
+              <a:rPr lang="ru-RU" sz="2400" dirty="0" err="1"/>
+              <a:t>Simple</a:t>
+            </a:r>
+            <a:r>
+              <a:rPr lang="ru-RU" sz="2400" dirty="0"/>
+              <a:t>, </a:t>
+            </a:r>
+            <a:r>
+              <a:rPr lang="ru-RU" sz="2400" dirty="0" err="1"/>
+              <a:t>Stupid</a:t>
+            </a:r>
+            <a:r>
+              <a:rPr lang="ru-RU" sz="2400" dirty="0"/>
+              <a:t> — не усложняй! Смысл этого принципа программирования заключается в том, что стоит делать максимально простую и понятную архитектуру, применять шаблоны проектирования и не изобретать велосипед.</a:t>
+            </a:r>
+            <a:endParaRPr lang="ru-RU" sz="2400" dirty="0"/>
+          </a:p>
+        </p:txBody>
+      </p:sp>
+    </p:spTree>
+    <p:extLst>
+      <p:ext uri="{BB962C8B-B14F-4D97-AF65-F5344CB8AC3E}">
+        <p14:creationId xmlns:p14="http://schemas.microsoft.com/office/powerpoint/2010/main" val="1707121990"/>
+      </p:ext>
+    </p:extLst>
+  </p:cSld>
+  <p:clrMapOvr>
+    <a:masterClrMapping/>
+  </p:clrMapOvr>
+</p:sld>
+</file>
+
+<file path=ppt/slides/slide32.xml><?xml version="1.0" encoding="utf-8"?>
+<p:sld xmlns:a="http://schemas.openxmlformats.org/drawingml/2006/main" xmlns:r="http://schemas.openxmlformats.org/officeDocument/2006/relationships" xmlns:p="http://schemas.openxmlformats.org/presentationml/2006/main">
+  <p:cSld>
+    <p:spTree>
+      <p:nvGrpSpPr>
+        <p:cNvPr id="1" name=""/>
+        <p:cNvGrpSpPr/>
+        <p:nvPr/>
+      </p:nvGrpSpPr>
+      <p:grpSpPr>
+        <a:xfrm>
+          <a:off x="0" y="0"/>
+          <a:ext cx="0" cy="0"/>
+          <a:chOff x="0" y="0"/>
+          <a:chExt cx="0" cy="0"/>
+        </a:xfrm>
+      </p:grpSpPr>
+      <p:sp>
+        <p:nvSpPr>
+          <p:cNvPr id="2" name="Заголовок 1"/>
+          <p:cNvSpPr>
+            <a:spLocks noGrp="1"/>
+          </p:cNvSpPr>
+          <p:nvPr>
+            <p:ph type="title"/>
+          </p:nvPr>
+        </p:nvSpPr>
+        <p:spPr/>
+        <p:txBody>
+          <a:bodyPr/>
+          <a:lstStyle/>
+          <a:p>
+            <a:r>
+              <a:rPr lang="ru-RU" b="1" dirty="0" smtClean="0"/>
+              <a:t>YAGNI</a:t>
+            </a:r>
+            <a:endParaRPr lang="ru-RU" dirty="0"/>
+          </a:p>
+        </p:txBody>
+      </p:sp>
+      <p:sp>
+        <p:nvSpPr>
+          <p:cNvPr id="3" name="Объект 2"/>
+          <p:cNvSpPr>
+            <a:spLocks noGrp="1"/>
+          </p:cNvSpPr>
+          <p:nvPr>
+            <p:ph idx="1"/>
+          </p:nvPr>
+        </p:nvSpPr>
+        <p:spPr/>
+        <p:txBody>
+          <a:bodyPr>
+            <a:normAutofit/>
+          </a:bodyPr>
+          <a:lstStyle/>
+          <a:p>
+            <a:pPr marL="0" indent="0">
+              <a:buNone/>
+            </a:pPr>
+            <a:r>
+              <a:rPr lang="ru-RU" sz="2400" dirty="0"/>
+              <a:t>З</a:t>
+            </a:r>
+            <a:r>
+              <a:rPr lang="ru-RU" sz="2400" dirty="0" smtClean="0"/>
+              <a:t>начит </a:t>
+            </a:r>
+            <a:r>
+              <a:rPr lang="ru-RU" sz="2400" dirty="0" err="1"/>
+              <a:t>You</a:t>
+            </a:r>
+            <a:r>
+              <a:rPr lang="ru-RU" sz="2400" dirty="0"/>
+              <a:t> </a:t>
+            </a:r>
+            <a:r>
+              <a:rPr lang="ru-RU" sz="2400" dirty="0" err="1"/>
+              <a:t>Ain’t</a:t>
+            </a:r>
+            <a:r>
+              <a:rPr lang="ru-RU" sz="2400" dirty="0"/>
+              <a:t> </a:t>
+            </a:r>
+            <a:r>
+              <a:rPr lang="ru-RU" sz="2400" dirty="0" err="1"/>
+              <a:t>Gonna</a:t>
+            </a:r>
+            <a:r>
+              <a:rPr lang="ru-RU" sz="2400" dirty="0"/>
+              <a:t> </a:t>
+            </a:r>
+            <a:r>
+              <a:rPr lang="ru-RU" sz="2400" dirty="0" err="1"/>
+              <a:t>Need</a:t>
+            </a:r>
+            <a:r>
+              <a:rPr lang="ru-RU" sz="2400" dirty="0"/>
+              <a:t> </a:t>
+            </a:r>
+            <a:r>
+              <a:rPr lang="ru-RU" sz="2400" dirty="0" err="1"/>
+              <a:t>It</a:t>
+            </a:r>
+            <a:r>
+              <a:rPr lang="ru-RU" sz="2400" dirty="0"/>
+              <a:t> — вам это не понадобится! Его суть в том, чтобы реализовать только поставленные задачи и отказаться от избыточного функционала.</a:t>
+            </a:r>
+            <a:endParaRPr lang="ru-RU" sz="2400" dirty="0"/>
+          </a:p>
+        </p:txBody>
+      </p:sp>
+    </p:spTree>
+    <p:extLst>
+      <p:ext uri="{BB962C8B-B14F-4D97-AF65-F5344CB8AC3E}">
+        <p14:creationId xmlns:p14="http://schemas.microsoft.com/office/powerpoint/2010/main" val="1949849406"/>
+      </p:ext>
+    </p:extLst>
+  </p:cSld>
+  <p:clrMapOvr>
+    <a:masterClrMapping/>
+  </p:clrMapOvr>
+</p:sld>
+</file>
+
+<file path=ppt/slides/slide33.xml><?xml version="1.0" encoding="utf-8"?>
+<p:sld xmlns:a="http://schemas.openxmlformats.org/drawingml/2006/main" xmlns:r="http://schemas.openxmlformats.org/officeDocument/2006/relationships" xmlns:p="http://schemas.openxmlformats.org/presentationml/2006/main">
+  <p:cSld>
+    <p:spTree>
+      <p:nvGrpSpPr>
+        <p:cNvPr id="1" name=""/>
+        <p:cNvGrpSpPr/>
+        <p:nvPr/>
+      </p:nvGrpSpPr>
+      <p:grpSpPr>
+        <a:xfrm>
+          <a:off x="0" y="0"/>
+          <a:ext cx="0" cy="0"/>
+          <a:chOff x="0" y="0"/>
+          <a:chExt cx="0" cy="0"/>
+        </a:xfrm>
+      </p:grpSpPr>
+      <p:sp>
+        <p:nvSpPr>
           <p:cNvPr id="2" name="TextBox 1"/>
           <p:cNvSpPr txBox="1"/>
           <p:nvPr/>
@@ -8232,7 +8629,6 @@
               <a:rPr lang="ru-RU" sz="2800" b="1" dirty="0" smtClean="0"/>
               <a:t>Конец</a:t>
             </a:r>
-            <a:endParaRPr lang="ru-RU" sz="2800" b="1" dirty="0" smtClean="0"/>
           </a:p>
           <a:p>
             <a:endParaRPr lang="ru-RU" sz="2800" dirty="0" smtClean="0"/>
